--- a/WSB Bugtracker Arkadiusz Chmal.pptx
+++ b/WSB Bugtracker Arkadiusz Chmal.pptx
@@ -5,7 +5,7 @@
     <p:sldMasterId id="2147483664" r:id="rId4"/>
   </p:sldMasterIdLst>
   <p:notesMasterIdLst>
-    <p:notesMasterId r:id="rId15"/>
+    <p:notesMasterId r:id="rId12"/>
   </p:notesMasterIdLst>
   <p:sldIdLst>
     <p:sldId id="256" r:id="rId5"/>
@@ -15,9 +15,6 @@
     <p:sldId id="262" r:id="rId9"/>
     <p:sldId id="263" r:id="rId10"/>
     <p:sldId id="264" r:id="rId11"/>
-    <p:sldId id="265" r:id="rId12"/>
-    <p:sldId id="266" r:id="rId13"/>
-    <p:sldId id="267" r:id="rId14"/>
   </p:sldIdLst>
   <p:sldSz cx="10691813" cy="7559675"/>
   <p:notesSz cx="6858000" cy="9144000"/>
@@ -6070,93 +6067,6 @@
 </p:sld>
 </file>
 
-<file path=ppt/slides/slide10.xml><?xml version="1.0" encoding="utf-8"?>
-<p:sld xmlns:a="http://schemas.openxmlformats.org/drawingml/2006/main" xmlns:r="http://schemas.openxmlformats.org/officeDocument/2006/relationships" xmlns:p="http://schemas.openxmlformats.org/presentationml/2006/main">
-  <p:cSld>
-    <p:spTree>
-      <p:nvGrpSpPr>
-        <p:cNvPr id="1" name=""/>
-        <p:cNvGrpSpPr/>
-        <p:nvPr/>
-      </p:nvGrpSpPr>
-      <p:grpSpPr>
-        <a:xfrm>
-          <a:off x="0" y="0"/>
-          <a:ext cx="0" cy="0"/>
-          <a:chOff x="0" y="0"/>
-          <a:chExt cx="0" cy="0"/>
-        </a:xfrm>
-      </p:grpSpPr>
-      <p:sp>
-        <p:nvSpPr>
-          <p:cNvPr id="2" name="Tytuł 1"/>
-          <p:cNvSpPr>
-            <a:spLocks noGrp="1"/>
-          </p:cNvSpPr>
-          <p:nvPr>
-            <p:ph type="title"/>
-          </p:nvPr>
-        </p:nvSpPr>
-        <p:spPr/>
-        <p:txBody>
-          <a:bodyPr/>
-          <a:lstStyle/>
-          <a:p>
-            <a:endParaRPr lang="pl-PL"/>
-          </a:p>
-        </p:txBody>
-      </p:sp>
-      <p:sp>
-        <p:nvSpPr>
-          <p:cNvPr id="3" name="Symbol zastępczy tekstu 2"/>
-          <p:cNvSpPr>
-            <a:spLocks noGrp="1"/>
-          </p:cNvSpPr>
-          <p:nvPr>
-            <p:ph type="body" idx="1"/>
-          </p:nvPr>
-        </p:nvSpPr>
-        <p:spPr/>
-        <p:txBody>
-          <a:bodyPr/>
-          <a:lstStyle/>
-          <a:p>
-            <a:endParaRPr lang="pl-PL"/>
-          </a:p>
-        </p:txBody>
-      </p:sp>
-      <p:sp>
-        <p:nvSpPr>
-          <p:cNvPr id="4" name="Symbol zastępczy tekstu 3"/>
-          <p:cNvSpPr>
-            <a:spLocks noGrp="1"/>
-          </p:cNvSpPr>
-          <p:nvPr>
-            <p:ph type="body" idx="2"/>
-          </p:nvPr>
-        </p:nvSpPr>
-        <p:spPr/>
-        <p:txBody>
-          <a:bodyPr/>
-          <a:lstStyle/>
-          <a:p>
-            <a:endParaRPr lang="pl-PL"/>
-          </a:p>
-        </p:txBody>
-      </p:sp>
-    </p:spTree>
-    <p:extLst>
-      <p:ext uri="{BB962C8B-B14F-4D97-AF65-F5344CB8AC3E}">
-        <p14:creationId xmlns:p14="http://schemas.microsoft.com/office/powerpoint/2010/main" val="1711197263"/>
-      </p:ext>
-    </p:extLst>
-  </p:cSld>
-  <p:clrMapOvr>
-    <a:masterClrMapping/>
-  </p:clrMapOvr>
-</p:sld>
-</file>
-
 <file path=ppt/slides/slide2.xml><?xml version="1.0" encoding="utf-8"?>
 <p:sld xmlns:a="http://schemas.openxmlformats.org/drawingml/2006/main" xmlns:r="http://schemas.openxmlformats.org/officeDocument/2006/relationships" xmlns:p="http://schemas.openxmlformats.org/presentationml/2006/main">
   <p:cSld>
@@ -6428,6 +6338,78 @@
             <a:r>
               <a:rPr lang="pl-PL" sz="2000" dirty="0"/>
               <a:t>.</a:t>
+            </a:r>
+          </a:p>
+          <a:p>
+            <a:pPr marL="0" marR="0" lvl="0" indent="0" algn="l" rtl="0">
+              <a:lnSpc>
+                <a:spcPct val="90000"/>
+              </a:lnSpc>
+              <a:spcBef>
+                <a:spcPts val="0"/>
+              </a:spcBef>
+              <a:spcAft>
+                <a:spcPts val="0"/>
+              </a:spcAft>
+              <a:buClr>
+                <a:schemeClr val="dk1"/>
+              </a:buClr>
+              <a:buSzPts val="1200"/>
+              <a:buFont typeface="Arial"/>
+              <a:buNone/>
+            </a:pPr>
+            <a:endParaRPr lang="pl-PL" sz="2000" dirty="0"/>
+          </a:p>
+          <a:p>
+            <a:pPr marL="0" marR="0" lvl="0" indent="0" algn="l" rtl="0">
+              <a:lnSpc>
+                <a:spcPct val="90000"/>
+              </a:lnSpc>
+              <a:spcBef>
+                <a:spcPts val="0"/>
+              </a:spcBef>
+              <a:spcAft>
+                <a:spcPts val="0"/>
+              </a:spcAft>
+              <a:buClr>
+                <a:schemeClr val="dk1"/>
+              </a:buClr>
+              <a:buSzPts val="1200"/>
+              <a:buFont typeface="Arial"/>
+              <a:buNone/>
+            </a:pPr>
+            <a:r>
+              <a:rPr lang="pl-PL" sz="2000" dirty="0"/>
+              <a:t>Wymagania projektowe:</a:t>
+            </a:r>
+          </a:p>
+          <a:p>
+            <a:pPr marL="0" marR="0" lvl="0" indent="0" algn="l" rtl="0">
+              <a:lnSpc>
+                <a:spcPct val="90000"/>
+              </a:lnSpc>
+              <a:spcBef>
+                <a:spcPts val="0"/>
+              </a:spcBef>
+              <a:spcAft>
+                <a:spcPts val="0"/>
+              </a:spcAft>
+              <a:buClr>
+                <a:schemeClr val="dk1"/>
+              </a:buClr>
+              <a:buSzPts val="1200"/>
+              <a:buFont typeface="Arial"/>
+              <a:buNone/>
+            </a:pPr>
+            <a:r>
+              <a:rPr lang="pl-PL" sz="2000" dirty="0">
+                <a:hlinkClick r:id="rId4"/>
+              </a:rPr>
+              <a:t>https://moodle2.e-wsb.pl/pluginfile.php/4815246/mod_folder/content/0/INSTRUKCJA%20DO%20PROJEKTU%20KO%C5%83COWEGO.pdf?forcedownload=1</a:t>
+            </a:r>
+            <a:r>
+              <a:rPr lang="pl-PL" sz="2000" dirty="0"/>
+              <a:t> </a:t>
             </a:r>
           </a:p>
           <a:p>
@@ -7109,7 +7091,7 @@
             </a:pPr>
             <a:r>
               <a:rPr lang="pl-PL" sz="2000" dirty="0"/>
-              <a:t>Dodawanie plików do zgłoszeń(w trakcie)</a:t>
+              <a:t>Dodawanie plików do zgłoszeń</a:t>
             </a:r>
           </a:p>
           <a:p>
@@ -7261,13 +7243,8 @@
             </a:pPr>
             <a:r>
               <a:rPr lang="pl-PL" sz="2000" dirty="0"/>
-              <a:t>Testy jednostkowe(</a:t>
+              <a:t>Testy jednostkowe</a:t>
             </a:r>
-            <a:r>
-              <a:rPr lang="pl-PL" sz="2000"/>
-              <a:t>do zrobienia)</a:t>
-            </a:r>
-            <a:endParaRPr lang="pl-PL" sz="2000" dirty="0"/>
           </a:p>
         </p:txBody>
       </p:sp>
@@ -7294,180 +7271,6 @@
     <p:extLst>
       <p:ext uri="{BB962C8B-B14F-4D97-AF65-F5344CB8AC3E}">
         <p14:creationId xmlns:p14="http://schemas.microsoft.com/office/powerpoint/2010/main" val="575322487"/>
-      </p:ext>
-    </p:extLst>
-  </p:cSld>
-  <p:clrMapOvr>
-    <a:masterClrMapping/>
-  </p:clrMapOvr>
-</p:sld>
-</file>
-
-<file path=ppt/slides/slide8.xml><?xml version="1.0" encoding="utf-8"?>
-<p:sld xmlns:a="http://schemas.openxmlformats.org/drawingml/2006/main" xmlns:r="http://schemas.openxmlformats.org/officeDocument/2006/relationships" xmlns:p="http://schemas.openxmlformats.org/presentationml/2006/main">
-  <p:cSld>
-    <p:spTree>
-      <p:nvGrpSpPr>
-        <p:cNvPr id="1" name=""/>
-        <p:cNvGrpSpPr/>
-        <p:nvPr/>
-      </p:nvGrpSpPr>
-      <p:grpSpPr>
-        <a:xfrm>
-          <a:off x="0" y="0"/>
-          <a:ext cx="0" cy="0"/>
-          <a:chOff x="0" y="0"/>
-          <a:chExt cx="0" cy="0"/>
-        </a:xfrm>
-      </p:grpSpPr>
-      <p:sp>
-        <p:nvSpPr>
-          <p:cNvPr id="2" name="Tytuł 1"/>
-          <p:cNvSpPr>
-            <a:spLocks noGrp="1"/>
-          </p:cNvSpPr>
-          <p:nvPr>
-            <p:ph type="title"/>
-          </p:nvPr>
-        </p:nvSpPr>
-        <p:spPr/>
-        <p:txBody>
-          <a:bodyPr/>
-          <a:lstStyle/>
-          <a:p>
-            <a:endParaRPr lang="pl-PL" dirty="0"/>
-          </a:p>
-        </p:txBody>
-      </p:sp>
-      <p:sp>
-        <p:nvSpPr>
-          <p:cNvPr id="3" name="Symbol zastępczy tekstu 2"/>
-          <p:cNvSpPr>
-            <a:spLocks noGrp="1"/>
-          </p:cNvSpPr>
-          <p:nvPr>
-            <p:ph type="body" idx="1"/>
-          </p:nvPr>
-        </p:nvSpPr>
-        <p:spPr/>
-        <p:txBody>
-          <a:bodyPr/>
-          <a:lstStyle/>
-          <a:p>
-            <a:endParaRPr lang="pl-PL"/>
-          </a:p>
-        </p:txBody>
-      </p:sp>
-      <p:sp>
-        <p:nvSpPr>
-          <p:cNvPr id="4" name="Symbol zastępczy tekstu 3"/>
-          <p:cNvSpPr>
-            <a:spLocks noGrp="1"/>
-          </p:cNvSpPr>
-          <p:nvPr>
-            <p:ph type="body" idx="2"/>
-          </p:nvPr>
-        </p:nvSpPr>
-        <p:spPr/>
-        <p:txBody>
-          <a:bodyPr/>
-          <a:lstStyle/>
-          <a:p>
-            <a:endParaRPr lang="pl-PL"/>
-          </a:p>
-        </p:txBody>
-      </p:sp>
-    </p:spTree>
-    <p:extLst>
-      <p:ext uri="{BB962C8B-B14F-4D97-AF65-F5344CB8AC3E}">
-        <p14:creationId xmlns:p14="http://schemas.microsoft.com/office/powerpoint/2010/main" val="2836804174"/>
-      </p:ext>
-    </p:extLst>
-  </p:cSld>
-  <p:clrMapOvr>
-    <a:masterClrMapping/>
-  </p:clrMapOvr>
-</p:sld>
-</file>
-
-<file path=ppt/slides/slide9.xml><?xml version="1.0" encoding="utf-8"?>
-<p:sld xmlns:a="http://schemas.openxmlformats.org/drawingml/2006/main" xmlns:r="http://schemas.openxmlformats.org/officeDocument/2006/relationships" xmlns:p="http://schemas.openxmlformats.org/presentationml/2006/main">
-  <p:cSld>
-    <p:spTree>
-      <p:nvGrpSpPr>
-        <p:cNvPr id="1" name=""/>
-        <p:cNvGrpSpPr/>
-        <p:nvPr/>
-      </p:nvGrpSpPr>
-      <p:grpSpPr>
-        <a:xfrm>
-          <a:off x="0" y="0"/>
-          <a:ext cx="0" cy="0"/>
-          <a:chOff x="0" y="0"/>
-          <a:chExt cx="0" cy="0"/>
-        </a:xfrm>
-      </p:grpSpPr>
-      <p:sp>
-        <p:nvSpPr>
-          <p:cNvPr id="2" name="Tytuł 1"/>
-          <p:cNvSpPr>
-            <a:spLocks noGrp="1"/>
-          </p:cNvSpPr>
-          <p:nvPr>
-            <p:ph type="title"/>
-          </p:nvPr>
-        </p:nvSpPr>
-        <p:spPr/>
-        <p:txBody>
-          <a:bodyPr/>
-          <a:lstStyle/>
-          <a:p>
-            <a:endParaRPr lang="pl-PL"/>
-          </a:p>
-        </p:txBody>
-      </p:sp>
-      <p:sp>
-        <p:nvSpPr>
-          <p:cNvPr id="3" name="Symbol zastępczy tekstu 2"/>
-          <p:cNvSpPr>
-            <a:spLocks noGrp="1"/>
-          </p:cNvSpPr>
-          <p:nvPr>
-            <p:ph type="body" idx="1"/>
-          </p:nvPr>
-        </p:nvSpPr>
-        <p:spPr/>
-        <p:txBody>
-          <a:bodyPr/>
-          <a:lstStyle/>
-          <a:p>
-            <a:endParaRPr lang="pl-PL"/>
-          </a:p>
-        </p:txBody>
-      </p:sp>
-      <p:sp>
-        <p:nvSpPr>
-          <p:cNvPr id="4" name="Symbol zastępczy tekstu 3"/>
-          <p:cNvSpPr>
-            <a:spLocks noGrp="1"/>
-          </p:cNvSpPr>
-          <p:nvPr>
-            <p:ph type="body" idx="2"/>
-          </p:nvPr>
-        </p:nvSpPr>
-        <p:spPr/>
-        <p:txBody>
-          <a:bodyPr/>
-          <a:lstStyle/>
-          <a:p>
-            <a:endParaRPr lang="pl-PL"/>
-          </a:p>
-        </p:txBody>
-      </p:sp>
-    </p:spTree>
-    <p:extLst>
-      <p:ext uri="{BB962C8B-B14F-4D97-AF65-F5344CB8AC3E}">
-        <p14:creationId xmlns:p14="http://schemas.microsoft.com/office/powerpoint/2010/main" val="665479313"/>
       </p:ext>
     </p:extLst>
   </p:cSld>
@@ -8040,6 +7843,21 @@
 </file>
 
 <file path=customXml/item1.xml><?xml version="1.0" encoding="utf-8"?>
+<?mso-contentType ?>
+<FormTemplates xmlns="http://schemas.microsoft.com/sharepoint/v3/contenttype/forms">
+  <Display>DocumentLibraryForm</Display>
+  <Edit>DocumentLibraryForm</Edit>
+  <New>DocumentLibraryForm</New>
+</FormTemplates>
+</file>
+
+<file path=customXml/item2.xml><?xml version="1.0" encoding="utf-8"?>
+<p:properties xmlns:p="http://schemas.microsoft.com/office/2006/metadata/properties" xmlns:xsi="http://www.w3.org/2001/XMLSchema-instance" xmlns:pc="http://schemas.microsoft.com/office/infopath/2007/PartnerControls">
+  <documentManagement/>
+</p:properties>
+</file>
+
+<file path=customXml/item3.xml><?xml version="1.0" encoding="utf-8"?>
 <ct:contentTypeSchema xmlns:ct="http://schemas.microsoft.com/office/2006/metadata/contentType" xmlns:ma="http://schemas.microsoft.com/office/2006/metadata/properties/metaAttributes" ct:_="" ma:_="" ma:contentTypeName="Dokument" ma:contentTypeID="0x010100C4838B074BD1B64DBED77476FBBDC7EA" ma:contentTypeVersion="12" ma:contentTypeDescription="Utwórz nowy dokument." ma:contentTypeScope="" ma:versionID="abae0e8d5c185b6eb441adf6372fc8c6">
   <xsd:schema xmlns:xsd="http://www.w3.org/2001/XMLSchema" xmlns:xs="http://www.w3.org/2001/XMLSchema" xmlns:p="http://schemas.microsoft.com/office/2006/metadata/properties" xmlns:ns2="cc32ea10-24d7-4ab8-908a-92053f695cd3" xmlns:ns3="f1dfd687-ce92-41e8-800b-11e03cd3205f" targetNamespace="http://schemas.microsoft.com/office/2006/metadata/properties" ma:root="true" ma:fieldsID="5000a009807434e50dd59fb41f59b2c7" ns2:_="" ns3:_="">
     <xsd:import namespace="cc32ea10-24d7-4ab8-908a-92053f695cd3"/>
@@ -8256,22 +8074,24 @@
 </ct:contentTypeSchema>
 </file>
 
-<file path=customXml/item2.xml><?xml version="1.0" encoding="utf-8"?>
-<p:properties xmlns:p="http://schemas.microsoft.com/office/2006/metadata/properties" xmlns:xsi="http://www.w3.org/2001/XMLSchema-instance" xmlns:pc="http://schemas.microsoft.com/office/infopath/2007/PartnerControls">
-  <documentManagement/>
-</p:properties>
+<file path=customXml/itemProps1.xml><?xml version="1.0" encoding="utf-8"?>
+<ds:datastoreItem xmlns:ds="http://schemas.openxmlformats.org/officeDocument/2006/customXml" ds:itemID="{D55DFD6E-AB81-4445-9B46-4E74749686A1}">
+  <ds:schemaRefs>
+    <ds:schemaRef ds:uri="http://schemas.microsoft.com/sharepoint/v3/contenttype/forms"/>
+  </ds:schemaRefs>
+</ds:datastoreItem>
 </file>
 
-<file path=customXml/item3.xml><?xml version="1.0" encoding="utf-8"?>
-<?mso-contentType ?>
-<FormTemplates xmlns="http://schemas.microsoft.com/sharepoint/v3/contenttype/forms">
-  <Display>DocumentLibraryForm</Display>
-  <Edit>DocumentLibraryForm</Edit>
-  <New>DocumentLibraryForm</New>
-</FormTemplates>
+<file path=customXml/itemProps2.xml><?xml version="1.0" encoding="utf-8"?>
+<ds:datastoreItem xmlns:ds="http://schemas.openxmlformats.org/officeDocument/2006/customXml" ds:itemID="{6193F782-E2A1-4D94-8F91-89E20507DBF7}">
+  <ds:schemaRefs>
+    <ds:schemaRef ds:uri="http://schemas.microsoft.com/office/2006/metadata/properties"/>
+    <ds:schemaRef ds:uri="http://schemas.microsoft.com/office/infopath/2007/PartnerControls"/>
+  </ds:schemaRefs>
+</ds:datastoreItem>
 </file>
 
-<file path=customXml/itemProps1.xml><?xml version="1.0" encoding="utf-8"?>
+<file path=customXml/itemProps3.xml><?xml version="1.0" encoding="utf-8"?>
 <ds:datastoreItem xmlns:ds="http://schemas.openxmlformats.org/officeDocument/2006/customXml" ds:itemID="{29EA8F3E-53F8-465A-BFE5-6D66E0154D34}">
   <ds:schemaRefs>
     <ds:schemaRef ds:uri="http://schemas.microsoft.com/office/2006/metadata/contentType"/>
@@ -8288,21 +8108,4 @@
     <ds:schemaRef ds:uri="http://schemas.microsoft.com/internal/obd"/>
   </ds:schemaRefs>
 </ds:datastoreItem>
-</file>
-
-<file path=customXml/itemProps2.xml><?xml version="1.0" encoding="utf-8"?>
-<ds:datastoreItem xmlns:ds="http://schemas.openxmlformats.org/officeDocument/2006/customXml" ds:itemID="{6193F782-E2A1-4D94-8F91-89E20507DBF7}">
-  <ds:schemaRefs>
-    <ds:schemaRef ds:uri="http://schemas.microsoft.com/office/2006/metadata/properties"/>
-    <ds:schemaRef ds:uri="http://schemas.microsoft.com/office/infopath/2007/PartnerControls"/>
-  </ds:schemaRefs>
-</ds:datastoreItem>
-</file>
-
-<file path=customXml/itemProps3.xml><?xml version="1.0" encoding="utf-8"?>
-<ds:datastoreItem xmlns:ds="http://schemas.openxmlformats.org/officeDocument/2006/customXml" ds:itemID="{D55DFD6E-AB81-4445-9B46-4E74749686A1}">
-  <ds:schemaRefs>
-    <ds:schemaRef ds:uri="http://schemas.microsoft.com/sharepoint/v3/contenttype/forms"/>
-  </ds:schemaRefs>
-</ds:datastoreItem>
 </file>